--- a/Multi Data Center Tie Line Power SmoothingMethod Based on Demand Response.pptx
+++ b/Multi Data Center Tie Line Power SmoothingMethod Based on Demand Response.pptx
@@ -12978,6 +12978,52 @@
           <a:chExt cx="0" cy="0"/>
         </a:xfrm>
       </p:grpSpPr>
+      <p:pic>
+        <p:nvPicPr>
+          <p:cNvPr id="8" name="Picture 7"/>
+          <p:cNvPicPr>
+            <a:picLocks noChangeAspect="1"/>
+          </p:cNvPicPr>
+          <p:nvPr/>
+        </p:nvPicPr>
+        <p:blipFill rotWithShape="1">
+          <a:blip r:embed="rId2"/>
+          <a:srcRect t="63095"/>
+          <a:stretch/>
+        </p:blipFill>
+        <p:spPr>
+          <a:xfrm>
+            <a:off x="4454081" y="3525729"/>
+            <a:ext cx="3736802" cy="880366"/>
+          </a:xfrm>
+          <a:prstGeom prst="rect">
+            <a:avLst/>
+          </a:prstGeom>
+        </p:spPr>
+      </p:pic>
+      <p:pic>
+        <p:nvPicPr>
+          <p:cNvPr id="3" name="Picture 2"/>
+          <p:cNvPicPr>
+            <a:picLocks noChangeAspect="1"/>
+          </p:cNvPicPr>
+          <p:nvPr/>
+        </p:nvPicPr>
+        <p:blipFill rotWithShape="1">
+          <a:blip r:embed="rId2"/>
+          <a:srcRect b="72213"/>
+          <a:stretch/>
+        </p:blipFill>
+        <p:spPr>
+          <a:xfrm>
+            <a:off x="2833581" y="1036649"/>
+            <a:ext cx="3736802" cy="662849"/>
+          </a:xfrm>
+          <a:prstGeom prst="rect">
+            <a:avLst/>
+          </a:prstGeom>
+        </p:spPr>
+      </p:pic>
       <p:sp>
         <p:nvSpPr>
           <p:cNvPr id="5" name="Title 8"/>
@@ -13016,309 +13062,74 @@
           </a:p>
         </p:txBody>
       </p:sp>
-      <p:pic>
-        <p:nvPicPr>
-          <p:cNvPr id="3" name="Picture 2"/>
-          <p:cNvPicPr>
-            <a:picLocks noChangeAspect="1"/>
-          </p:cNvPicPr>
+      <p:sp>
+        <p:nvSpPr>
+          <p:cNvPr id="4" name="TextBox 3"/>
+          <p:cNvSpPr txBox="1"/>
           <p:nvPr/>
-        </p:nvPicPr>
-        <p:blipFill>
-          <a:blip r:embed="rId2"/>
-          <a:stretch>
-            <a:fillRect/>
-          </a:stretch>
-        </p:blipFill>
+        </p:nvSpPr>
         <p:spPr>
           <a:xfrm>
-            <a:off x="4556346" y="1654628"/>
-            <a:ext cx="3736802" cy="2385470"/>
+            <a:off x="872064" y="1917641"/>
+            <a:ext cx="3693886" cy="2677656"/>
           </a:xfrm>
           <a:prstGeom prst="rect">
             <a:avLst/>
           </a:prstGeom>
+          <a:noFill/>
         </p:spPr>
-      </p:pic>
-      <mc:AlternateContent xmlns:mc="http://schemas.openxmlformats.org/markup-compatibility/2006" xmlns:a14="http://schemas.microsoft.com/office/drawing/2010/main">
-        <mc:Choice Requires="a14">
-          <p:sp>
-            <p:nvSpPr>
-              <p:cNvPr id="4" name="TextBox 3"/>
-              <p:cNvSpPr txBox="1"/>
-              <p:nvPr/>
-            </p:nvSpPr>
-            <p:spPr>
-              <a:xfrm>
-                <a:off x="862460" y="1310505"/>
-                <a:ext cx="3693886" cy="2729593"/>
-              </a:xfrm>
-              <a:prstGeom prst="rect">
-                <a:avLst/>
-              </a:prstGeom>
-              <a:noFill/>
-            </p:spPr>
-            <p:txBody>
-              <a:bodyPr wrap="square" rtlCol="0">
-                <a:spAutoFit/>
-              </a:bodyPr>
-              <a:lstStyle/>
-              <a:p>
-                <a:r>
-                  <a:rPr lang="en-US" dirty="0" smtClean="0"/>
-                  <a:t>The first constraint sets the allowable </a:t>
-                </a:r>
-                <a14:m>
-                  <m:oMath xmlns:m="http://schemas.openxmlformats.org/officeDocument/2006/math">
-                    <m:r>
-                      <a:rPr lang="en-US" i="1" dirty="0" smtClean="0">
-                        <a:latin typeface="Cambria Math" panose="02040503050406030204" pitchFamily="18" charset="0"/>
-                      </a:rPr>
-                      <m:t>𝑆𝑂</m:t>
-                    </m:r>
-                    <m:sSub>
-                      <m:sSubPr>
-                        <m:ctrlPr>
-                          <a:rPr lang="en-US" b="0" i="1" dirty="0" smtClean="0">
-                            <a:latin typeface="Cambria Math" panose="02040503050406030204" pitchFamily="18" charset="0"/>
-                          </a:rPr>
-                        </m:ctrlPr>
-                      </m:sSubPr>
-                      <m:e>
-                        <m:r>
-                          <a:rPr lang="en-US" i="1" dirty="0" smtClean="0">
-                            <a:latin typeface="Cambria Math" panose="02040503050406030204" pitchFamily="18" charset="0"/>
-                          </a:rPr>
-                          <m:t>𝐶</m:t>
-                        </m:r>
-                      </m:e>
-                      <m:sub>
-                        <m:r>
-                          <a:rPr lang="en-US" i="1" dirty="0" smtClean="0">
-                            <a:latin typeface="Cambria Math" panose="02040503050406030204" pitchFamily="18" charset="0"/>
-                          </a:rPr>
-                          <m:t>𝑑</m:t>
-                        </m:r>
-                        <m:r>
-                          <a:rPr lang="en-US" b="0" i="1" dirty="0" smtClean="0">
-                            <a:latin typeface="Cambria Math" panose="02040503050406030204" pitchFamily="18" charset="0"/>
-                          </a:rPr>
-                          <m:t>,</m:t>
-                        </m:r>
-                        <m:r>
-                          <a:rPr lang="en-US" b="0" i="1" dirty="0" smtClean="0">
-                            <a:latin typeface="Cambria Math" panose="02040503050406030204" pitchFamily="18" charset="0"/>
-                          </a:rPr>
-                          <m:t>𝑗</m:t>
-                        </m:r>
-                      </m:sub>
-                    </m:sSub>
-                  </m:oMath>
-                </a14:m>
-                <a:r>
-                  <a:rPr lang="en-US" dirty="0" smtClean="0"/>
-                  <a:t> </a:t>
-                </a:r>
-                <a:r>
-                  <a:rPr lang="en-US" dirty="0"/>
-                  <a:t>range, safeguarding the battery against overcharging or over discharging.</a:t>
-                </a:r>
-              </a:p>
-              <a:p>
-                <a:endParaRPr lang="en-US" dirty="0" smtClean="0"/>
-              </a:p>
-              <a:p>
-                <a:r>
-                  <a:rPr lang="en-US" dirty="0" smtClean="0"/>
-                  <a:t>The </a:t>
-                </a:r>
-                <a:r>
-                  <a:rPr lang="en-US" dirty="0"/>
-                  <a:t>second constraint limits the maximum number of </a:t>
-                </a:r>
-                <a:r>
-                  <a:rPr lang="en-US" dirty="0" smtClean="0"/>
-                  <a:t>battery activations</a:t>
-                </a:r>
-                <a:r>
-                  <a:rPr lang="en-US" dirty="0"/>
-                  <a:t>, and </a:t>
-                </a:r>
-                <a14:m>
-                  <m:oMath xmlns:m="http://schemas.openxmlformats.org/officeDocument/2006/math">
-                    <m:r>
-                      <a:rPr lang="en-US" i="1" dirty="0" smtClean="0">
-                        <a:latin typeface="Cambria Math" panose="02040503050406030204" pitchFamily="18" charset="0"/>
-                      </a:rPr>
-                      <m:t>𝑠</m:t>
-                    </m:r>
-                    <m:sSub>
-                      <m:sSubPr>
-                        <m:ctrlPr>
-                          <a:rPr lang="en-US" b="0" i="1" dirty="0" smtClean="0">
-                            <a:latin typeface="Cambria Math" panose="02040503050406030204" pitchFamily="18" charset="0"/>
-                          </a:rPr>
-                        </m:ctrlPr>
-                      </m:sSubPr>
-                      <m:e>
-                        <m:r>
-                          <a:rPr lang="en-US" i="1" dirty="0" smtClean="0">
-                            <a:latin typeface="Cambria Math" panose="02040503050406030204" pitchFamily="18" charset="0"/>
-                          </a:rPr>
-                          <m:t>𝑤</m:t>
-                        </m:r>
-                      </m:e>
-                      <m:sub>
-                        <m:r>
-                          <a:rPr lang="en-US" b="0" i="1" dirty="0" smtClean="0">
-                            <a:latin typeface="Cambria Math" panose="02040503050406030204" pitchFamily="18" charset="0"/>
-                          </a:rPr>
-                          <m:t>𝑑</m:t>
-                        </m:r>
-                        <m:r>
-                          <a:rPr lang="en-US" b="0" i="1" dirty="0" smtClean="0">
-                            <a:latin typeface="Cambria Math" panose="02040503050406030204" pitchFamily="18" charset="0"/>
-                          </a:rPr>
-                          <m:t>,</m:t>
-                        </m:r>
-                        <m:r>
-                          <a:rPr lang="en-US" b="0" i="1" dirty="0" smtClean="0">
-                            <a:latin typeface="Cambria Math" panose="02040503050406030204" pitchFamily="18" charset="0"/>
-                          </a:rPr>
-                          <m:t>𝑗</m:t>
-                        </m:r>
-                      </m:sub>
-                    </m:sSub>
-                  </m:oMath>
-                </a14:m>
-                <a:r>
-                  <a:rPr lang="en-US" dirty="0" smtClean="0"/>
-                  <a:t> is </a:t>
-                </a:r>
-                <a:r>
-                  <a:rPr lang="en-US" dirty="0"/>
-                  <a:t>the binary variable indicating action.</a:t>
-                </a:r>
-              </a:p>
-              <a:p>
-                <a:endParaRPr lang="en-US" dirty="0" smtClean="0"/>
-              </a:p>
-              <a:p>
-                <a:r>
-                  <a:rPr lang="en-US" dirty="0" smtClean="0"/>
-                  <a:t>When </a:t>
-                </a:r>
-                <a:r>
-                  <a:rPr lang="en-US" dirty="0"/>
-                  <a:t>the power products of the adjacent period are negative</a:t>
-                </a:r>
-                <a:r>
-                  <a:rPr lang="en-US" dirty="0" smtClean="0"/>
-                  <a:t>,</a:t>
-                </a:r>
-              </a:p>
-              <a:p>
-                <a:endParaRPr lang="en-US" dirty="0"/>
-              </a:p>
-              <a:p>
-                <a14:m>
-                  <m:oMath xmlns:m="http://schemas.openxmlformats.org/officeDocument/2006/math">
-                    <m:r>
-                      <a:rPr lang="en-US" i="1" dirty="0" smtClean="0">
-                        <a:latin typeface="Cambria Math" panose="02040503050406030204" pitchFamily="18" charset="0"/>
-                      </a:rPr>
-                      <m:t>𝑠</m:t>
-                    </m:r>
-                    <m:sSub>
-                      <m:sSubPr>
-                        <m:ctrlPr>
-                          <a:rPr lang="en-US" b="0" i="1" dirty="0" smtClean="0">
-                            <a:latin typeface="Cambria Math" panose="02040503050406030204" pitchFamily="18" charset="0"/>
-                          </a:rPr>
-                        </m:ctrlPr>
-                      </m:sSubPr>
-                      <m:e>
-                        <m:r>
-                          <a:rPr lang="en-US" i="1" dirty="0" smtClean="0">
-                            <a:latin typeface="Cambria Math" panose="02040503050406030204" pitchFamily="18" charset="0"/>
-                          </a:rPr>
-                          <m:t>𝑤</m:t>
-                        </m:r>
-                      </m:e>
-                      <m:sub>
-                        <m:r>
-                          <a:rPr lang="en-US" b="0" i="1" dirty="0" smtClean="0">
-                            <a:latin typeface="Cambria Math" panose="02040503050406030204" pitchFamily="18" charset="0"/>
-                          </a:rPr>
-                          <m:t>𝑑</m:t>
-                        </m:r>
-                        <m:r>
-                          <a:rPr lang="en-US" b="0" i="1" dirty="0" smtClean="0">
-                            <a:latin typeface="Cambria Math" panose="02040503050406030204" pitchFamily="18" charset="0"/>
-                          </a:rPr>
-                          <m:t>,</m:t>
-                        </m:r>
-                        <m:r>
-                          <a:rPr lang="en-US" b="0" i="1" dirty="0" smtClean="0">
-                            <a:latin typeface="Cambria Math" panose="02040503050406030204" pitchFamily="18" charset="0"/>
-                          </a:rPr>
-                          <m:t>𝑗</m:t>
-                        </m:r>
-                      </m:sub>
-                    </m:sSub>
-                  </m:oMath>
-                </a14:m>
-                <a:r>
-                  <a:rPr lang="en-US" dirty="0" smtClean="0"/>
-                  <a:t> </a:t>
-                </a:r>
-                <a:r>
-                  <a:rPr lang="en-US" dirty="0"/>
-                  <a:t>= 1; otherwise, it remains 0.</a:t>
-                </a:r>
-              </a:p>
-            </p:txBody>
-          </p:sp>
-        </mc:Choice>
-        <mc:Fallback xmlns="">
-          <p:sp>
-            <p:nvSpPr>
-              <p:cNvPr id="4" name="TextBox 3"/>
-              <p:cNvSpPr txBox="1">
-                <a:spLocks noRot="1" noChangeAspect="1" noMove="1" noResize="1" noEditPoints="1" noAdjustHandles="1" noChangeArrowheads="1" noChangeShapeType="1" noTextEdit="1"/>
-              </p:cNvSpPr>
-              <p:nvPr/>
-            </p:nvSpPr>
-            <p:spPr>
-              <a:xfrm>
-                <a:off x="862460" y="1310505"/>
-                <a:ext cx="3693886" cy="2729593"/>
-              </a:xfrm>
-              <a:prstGeom prst="rect">
-                <a:avLst/>
-              </a:prstGeom>
-              <a:blipFill>
-                <a:blip r:embed="rId3"/>
-                <a:stretch>
-                  <a:fillRect l="-495" t="-446" b="-670"/>
-                </a:stretch>
-              </a:blipFill>
-            </p:spPr>
-            <p:txBody>
-              <a:bodyPr/>
-              <a:lstStyle/>
-              <a:p>
-                <a:r>
-                  <a:rPr lang="en-US">
-                    <a:noFill/>
-                  </a:rPr>
-                  <a:t> </a:t>
-                </a:r>
-              </a:p>
-            </p:txBody>
-          </p:sp>
-        </mc:Fallback>
-      </mc:AlternateContent>
+        <p:txBody>
+          <a:bodyPr wrap="square" rtlCol="0">
+            <a:spAutoFit/>
+          </a:bodyPr>
+          <a:lstStyle/>
+          <a:p>
+            <a:r>
+              <a:rPr lang="en-US" b="1" dirty="0"/>
+              <a:t>State of Charge (SOC):</a:t>
+            </a:r>
+            <a:r>
+              <a:rPr lang="en-US" dirty="0"/>
+              <a:t> The SOC of the UPS battery must remain within safe limits to prevent overcharging or </a:t>
+            </a:r>
+            <a:r>
+              <a:rPr lang="en-US" dirty="0" smtClean="0"/>
+              <a:t>over-discharging.</a:t>
+            </a:r>
+          </a:p>
+          <a:p>
+            <a:endParaRPr lang="en-US" dirty="0"/>
+          </a:p>
+          <a:p>
+            <a:r>
+              <a:rPr lang="en-US" b="1" dirty="0"/>
+              <a:t>Charge-Discharge Cycle Limit:</a:t>
+            </a:r>
+            <a:r>
+              <a:rPr lang="en-US" dirty="0"/>
+              <a:t> To preserve battery health, the total number of charge-discharge cycles must not exceed the allowable </a:t>
+            </a:r>
+            <a:r>
+              <a:rPr lang="en-US" dirty="0" smtClean="0"/>
+              <a:t>limit</a:t>
+            </a:r>
+          </a:p>
+          <a:p>
+            <a:endParaRPr lang="en-US" dirty="0"/>
+          </a:p>
+          <a:p>
+            <a:r>
+              <a:rPr lang="en-US" b="1" dirty="0"/>
+              <a:t>Power Delivery Limits:</a:t>
+            </a:r>
+            <a:r>
+              <a:rPr lang="en-US" dirty="0"/>
+              <a:t> The power supplied or absorbed must respect the battery's charge/discharge capacity</a:t>
+            </a:r>
+            <a:endParaRPr lang="en-US" dirty="0"/>
+          </a:p>
+        </p:txBody>
+      </p:sp>
       <p:sp>
         <p:nvSpPr>
           <p:cNvPr id="6" name="TextBox 5"/>
@@ -13327,7 +13138,7 @@
         </p:nvSpPr>
         <p:spPr>
           <a:xfrm>
-            <a:off x="7919314" y="4287520"/>
+            <a:off x="7930889" y="4345395"/>
             <a:ext cx="383438" cy="307777"/>
           </a:xfrm>
           <a:prstGeom prst="rect">
@@ -13349,6 +13160,52 @@
           </a:p>
         </p:txBody>
       </p:sp>
+      <p:pic>
+        <p:nvPicPr>
+          <p:cNvPr id="7" name="Picture 6"/>
+          <p:cNvPicPr>
+            <a:picLocks noChangeAspect="1"/>
+          </p:cNvPicPr>
+          <p:nvPr/>
+        </p:nvPicPr>
+        <p:blipFill rotWithShape="1">
+          <a:blip r:embed="rId2"/>
+          <a:srcRect t="26241" b="60658"/>
+          <a:stretch/>
+        </p:blipFill>
+        <p:spPr>
+          <a:xfrm>
+            <a:off x="4577525" y="2098649"/>
+            <a:ext cx="3736802" cy="312517"/>
+          </a:xfrm>
+          <a:prstGeom prst="rect">
+            <a:avLst/>
+          </a:prstGeom>
+        </p:spPr>
+      </p:pic>
+      <p:pic>
+        <p:nvPicPr>
+          <p:cNvPr id="9" name="Picture 8"/>
+          <p:cNvPicPr>
+            <a:picLocks noChangeAspect="1"/>
+          </p:cNvPicPr>
+          <p:nvPr/>
+        </p:nvPicPr>
+        <p:blipFill rotWithShape="1">
+          <a:blip r:embed="rId2"/>
+          <a:srcRect l="13134" t="38194" r="34220" b="35102"/>
+          <a:stretch/>
+        </p:blipFill>
+        <p:spPr>
+          <a:xfrm>
+            <a:off x="4713557" y="2758639"/>
+            <a:ext cx="2083444" cy="637003"/>
+          </a:xfrm>
+          <a:prstGeom prst="rect">
+            <a:avLst/>
+          </a:prstGeom>
+        </p:spPr>
+      </p:pic>
     </p:spTree>
     <p:extLst>
       <p:ext uri="{BB962C8B-B14F-4D97-AF65-F5344CB8AC3E}">
